--- a/08-Methods.pptx
+++ b/08-Methods.pptx
@@ -5,7 +5,7 @@
     <p:sldMasterId id="2147483648" r:id="rId1"/>
   </p:sldMasterIdLst>
   <p:notesMasterIdLst>
-    <p:notesMasterId r:id="rId24"/>
+    <p:notesMasterId r:id="rId23"/>
   </p:notesMasterIdLst>
   <p:sldIdLst>
     <p:sldId id="256" r:id="rId2"/>
@@ -24,12 +24,11 @@
     <p:sldId id="403" r:id="rId15"/>
     <p:sldId id="398" r:id="rId16"/>
     <p:sldId id="399" r:id="rId17"/>
-    <p:sldId id="333" r:id="rId18"/>
-    <p:sldId id="401" r:id="rId19"/>
-    <p:sldId id="402" r:id="rId20"/>
-    <p:sldId id="268" r:id="rId21"/>
-    <p:sldId id="381" r:id="rId22"/>
-    <p:sldId id="400" r:id="rId23"/>
+    <p:sldId id="401" r:id="rId18"/>
+    <p:sldId id="402" r:id="rId19"/>
+    <p:sldId id="268" r:id="rId20"/>
+    <p:sldId id="381" r:id="rId21"/>
+    <p:sldId id="400" r:id="rId22"/>
   </p:sldIdLst>
   <p:sldSz cx="9144000" cy="6858000" type="screen4x3"/>
   <p:notesSz cx="6858000" cy="9144000"/>
@@ -229,7 +228,7 @@
           <a:p>
             <a:fld id="{1A052DDE-B79B-4585-97B6-DCDE6083B029}" type="datetimeFigureOut">
               <a:rPr lang="bg-BG" smtClean="0"/>
-              <a:t>30.6.2015 г.</a:t>
+              <a:t>19.1.2016 г.</a:t>
             </a:fld>
             <a:endParaRPr lang="bg-BG"/>
           </a:p>
@@ -678,7 +677,7 @@
           <a:p>
             <a:fld id="{3EA744D9-3FBE-48D8-BF2A-85DF203E4D20}" type="datetimeFigureOut">
               <a:rPr lang="bg-BG" smtClean="0"/>
-              <a:t>30.6.2015 г.</a:t>
+              <a:t>19.1.2016 г.</a:t>
             </a:fld>
             <a:endParaRPr lang="bg-BG"/>
           </a:p>
@@ -848,7 +847,7 @@
           <a:p>
             <a:fld id="{3EA744D9-3FBE-48D8-BF2A-85DF203E4D20}" type="datetimeFigureOut">
               <a:rPr lang="bg-BG" smtClean="0"/>
-              <a:t>30.6.2015 г.</a:t>
+              <a:t>19.1.2016 г.</a:t>
             </a:fld>
             <a:endParaRPr lang="bg-BG"/>
           </a:p>
@@ -1028,7 +1027,7 @@
           <a:p>
             <a:fld id="{3EA744D9-3FBE-48D8-BF2A-85DF203E4D20}" type="datetimeFigureOut">
               <a:rPr lang="bg-BG" smtClean="0"/>
-              <a:t>30.6.2015 г.</a:t>
+              <a:t>19.1.2016 г.</a:t>
             </a:fld>
             <a:endParaRPr lang="bg-BG"/>
           </a:p>
@@ -1198,7 +1197,7 @@
           <a:p>
             <a:fld id="{3EA744D9-3FBE-48D8-BF2A-85DF203E4D20}" type="datetimeFigureOut">
               <a:rPr lang="bg-BG" smtClean="0"/>
-              <a:t>30.6.2015 г.</a:t>
+              <a:t>19.1.2016 г.</a:t>
             </a:fld>
             <a:endParaRPr lang="bg-BG"/>
           </a:p>
@@ -1444,7 +1443,7 @@
           <a:p>
             <a:fld id="{3EA744D9-3FBE-48D8-BF2A-85DF203E4D20}" type="datetimeFigureOut">
               <a:rPr lang="bg-BG" smtClean="0"/>
-              <a:t>30.6.2015 г.</a:t>
+              <a:t>19.1.2016 г.</a:t>
             </a:fld>
             <a:endParaRPr lang="bg-BG"/>
           </a:p>
@@ -1732,7 +1731,7 @@
           <a:p>
             <a:fld id="{3EA744D9-3FBE-48D8-BF2A-85DF203E4D20}" type="datetimeFigureOut">
               <a:rPr lang="bg-BG" smtClean="0"/>
-              <a:t>30.6.2015 г.</a:t>
+              <a:t>19.1.2016 г.</a:t>
             </a:fld>
             <a:endParaRPr lang="bg-BG"/>
           </a:p>
@@ -2154,7 +2153,7 @@
           <a:p>
             <a:fld id="{3EA744D9-3FBE-48D8-BF2A-85DF203E4D20}" type="datetimeFigureOut">
               <a:rPr lang="bg-BG" smtClean="0"/>
-              <a:t>30.6.2015 г.</a:t>
+              <a:t>19.1.2016 г.</a:t>
             </a:fld>
             <a:endParaRPr lang="bg-BG"/>
           </a:p>
@@ -2272,7 +2271,7 @@
           <a:p>
             <a:fld id="{3EA744D9-3FBE-48D8-BF2A-85DF203E4D20}" type="datetimeFigureOut">
               <a:rPr lang="bg-BG" smtClean="0"/>
-              <a:t>30.6.2015 г.</a:t>
+              <a:t>19.1.2016 г.</a:t>
             </a:fld>
             <a:endParaRPr lang="bg-BG"/>
           </a:p>
@@ -2367,7 +2366,7 @@
           <a:p>
             <a:fld id="{3EA744D9-3FBE-48D8-BF2A-85DF203E4D20}" type="datetimeFigureOut">
               <a:rPr lang="bg-BG" smtClean="0"/>
-              <a:t>30.6.2015 г.</a:t>
+              <a:t>19.1.2016 г.</a:t>
             </a:fld>
             <a:endParaRPr lang="bg-BG"/>
           </a:p>
@@ -2644,7 +2643,7 @@
           <a:p>
             <a:fld id="{3EA744D9-3FBE-48D8-BF2A-85DF203E4D20}" type="datetimeFigureOut">
               <a:rPr lang="bg-BG" smtClean="0"/>
-              <a:t>30.6.2015 г.</a:t>
+              <a:t>19.1.2016 г.</a:t>
             </a:fld>
             <a:endParaRPr lang="bg-BG"/>
           </a:p>
@@ -2897,7 +2896,7 @@
           <a:p>
             <a:fld id="{3EA744D9-3FBE-48D8-BF2A-85DF203E4D20}" type="datetimeFigureOut">
               <a:rPr lang="bg-BG" smtClean="0"/>
-              <a:t>30.6.2015 г.</a:t>
+              <a:t>19.1.2016 г.</a:t>
             </a:fld>
             <a:endParaRPr lang="bg-BG"/>
           </a:p>
@@ -3119,7 +3118,7 @@
           <a:p>
             <a:fld id="{3EA744D9-3FBE-48D8-BF2A-85DF203E4D20}" type="datetimeFigureOut">
               <a:rPr lang="bg-BG" smtClean="0"/>
-              <a:t>30.6.2015 г.</a:t>
+              <a:t>19.1.2016 г.</a:t>
             </a:fld>
             <a:endParaRPr lang="bg-BG"/>
           </a:p>
@@ -4608,26 +4607,25 @@
           </a:xfrm>
         </p:spPr>
         <p:txBody>
-          <a:bodyPr/>
+          <a:bodyPr>
+            <a:normAutofit/>
+          </a:bodyPr>
           <a:lstStyle/>
           <a:p>
             <a:pPr algn="l"/>
             <a:r>
-              <a:rPr lang="bg-BG" dirty="0" smtClean="0">
+              <a:rPr lang="bg-BG" sz="4000" dirty="0" smtClean="0">
                 <a:solidFill>
                   <a:schemeClr val="accent6"/>
                 </a:solidFill>
               </a:rPr>
-              <a:t>Задач</a:t>
-            </a:r>
-            <a:r>
-              <a:rPr lang="bg-BG" dirty="0">
-                <a:solidFill>
-                  <a:schemeClr val="accent6"/>
-                </a:solidFill>
-              </a:rPr>
-              <a:t>а</a:t>
-            </a:r>
+              <a:t>Живот на променливите</a:t>
+            </a:r>
+            <a:endParaRPr lang="bg-BG" sz="4000" dirty="0">
+              <a:solidFill>
+                <a:schemeClr val="accent6"/>
+              </a:solidFill>
+            </a:endParaRPr>
           </a:p>
         </p:txBody>
       </p:sp>
@@ -4644,62 +4642,50 @@
         <p:spPr>
           <a:xfrm>
             <a:off x="762000" y="1676400"/>
-            <a:ext cx="7620000" cy="4876800"/>
+            <a:ext cx="7620000" cy="4525963"/>
           </a:xfrm>
         </p:spPr>
         <p:txBody>
           <a:bodyPr>
-            <a:noAutofit/>
+            <a:normAutofit fontScale="92500" lnSpcReduction="10000"/>
           </a:bodyPr>
           <a:lstStyle/>
           <a:p>
-            <a:pPr marL="0" indent="0">
-              <a:buNone/>
+            <a:pPr>
+              <a:buFont typeface="Wingdings" panose="05000000000000000000" pitchFamily="2" charset="2"/>
+              <a:buChar char="§"/>
             </a:pPr>
             <a:r>
-              <a:rPr lang="bg-BG" sz="2800" dirty="0" smtClean="0">
-                <a:solidFill>
-                  <a:schemeClr val="bg1">
-                    <a:lumMod val="95000"/>
-                  </a:schemeClr>
-                </a:solidFill>
-              </a:rPr>
-              <a:t>Дефинирайте метод, който приема като параметър масив от числа и го изписва на екрана в обратен ред. </a:t>
-            </a:r>
-          </a:p>
-          <a:p>
-            <a:pPr marL="0" indent="0">
-              <a:buNone/>
-            </a:pPr>
-            <a:r>
-              <a:rPr lang="bg-BG" sz="2800" dirty="0" smtClean="0">
-                <a:solidFill>
-                  <a:schemeClr val="bg1">
-                    <a:lumMod val="95000"/>
-                  </a:schemeClr>
-                </a:solidFill>
-              </a:rPr>
-              <a:t>Направете същия метод, който приема като параметър низ от символи </a:t>
-            </a:r>
-            <a:r>
-              <a:rPr lang="bg-BG" sz="2800" dirty="0" smtClean="0">
-                <a:solidFill>
-                  <a:schemeClr val="bg1"/>
-                </a:solidFill>
-              </a:rPr>
-              <a:t>и го изписва </a:t>
-            </a:r>
-            <a:r>
-              <a:rPr lang="bg-BG" sz="2800" dirty="0" smtClean="0">
-                <a:solidFill>
-                  <a:schemeClr val="bg1">
-                    <a:lumMod val="95000"/>
-                  </a:schemeClr>
-                </a:solidFill>
-              </a:rPr>
-              <a:t>на екрана в обратен ред.</a:t>
-            </a:r>
-            <a:endParaRPr lang="ru-RU" sz="2800" dirty="0">
+              <a:rPr lang="ru-RU" dirty="0">
+                <a:solidFill>
+                  <a:schemeClr val="bg1">
+                    <a:lumMod val="95000"/>
+                  </a:schemeClr>
+                </a:solidFill>
+              </a:rPr>
+              <a:t>Променливите живеят в рамките на къдрави скоби </a:t>
+            </a:r>
+            <a:r>
+              <a:rPr lang="ru-RU" dirty="0" smtClean="0">
+                <a:solidFill>
+                  <a:schemeClr val="bg1">
+                    <a:lumMod val="95000"/>
+                  </a:schemeClr>
+                </a:solidFill>
+              </a:rPr>
+              <a:t>{</a:t>
+            </a:r>
+            <a:r>
+              <a:rPr lang="en-US" dirty="0" smtClean="0">
+                <a:solidFill>
+                  <a:schemeClr val="bg1">
+                    <a:lumMod val="95000"/>
+                  </a:schemeClr>
+                </a:solidFill>
+              </a:rPr>
+              <a:t>}</a:t>
+            </a:r>
+            <a:endParaRPr lang="ru-RU" dirty="0">
               <a:solidFill>
                 <a:schemeClr val="bg1">
                   <a:lumMod val="95000"/>
@@ -4707,12 +4693,153 @@
               </a:solidFill>
             </a:endParaRPr>
           </a:p>
+          <a:p>
+            <a:pPr>
+              <a:buFont typeface="Wingdings" panose="05000000000000000000" pitchFamily="2" charset="2"/>
+              <a:buChar char="§"/>
+            </a:pPr>
+            <a:r>
+              <a:rPr lang="ru-RU" dirty="0">
+                <a:solidFill>
+                  <a:schemeClr val="bg1">
+                    <a:lumMod val="95000"/>
+                  </a:schemeClr>
+                </a:solidFill>
+              </a:rPr>
+              <a:t>След като напуснат къдравите </a:t>
+            </a:r>
+            <a:r>
+              <a:rPr lang="ru-RU" dirty="0" smtClean="0">
+                <a:solidFill>
+                  <a:schemeClr val="bg1">
+                    <a:lumMod val="95000"/>
+                  </a:schemeClr>
+                </a:solidFill>
+              </a:rPr>
+              <a:t>скоби</a:t>
+            </a:r>
+            <a:r>
+              <a:rPr lang="en-US" dirty="0" smtClean="0">
+                <a:solidFill>
+                  <a:schemeClr val="bg1">
+                    <a:lumMod val="95000"/>
+                  </a:schemeClr>
+                </a:solidFill>
+              </a:rPr>
+              <a:t>,</a:t>
+            </a:r>
+            <a:r>
+              <a:rPr lang="ru-RU" dirty="0" smtClean="0">
+                <a:solidFill>
+                  <a:schemeClr val="bg1">
+                    <a:lumMod val="95000"/>
+                  </a:schemeClr>
+                </a:solidFill>
+              </a:rPr>
+              <a:t> </a:t>
+            </a:r>
+            <a:r>
+              <a:rPr lang="ru-RU" dirty="0">
+                <a:solidFill>
+                  <a:schemeClr val="bg1">
+                    <a:lumMod val="95000"/>
+                  </a:schemeClr>
+                </a:solidFill>
+              </a:rPr>
+              <a:t>в които са </a:t>
+            </a:r>
+            <a:r>
+              <a:rPr lang="ru-RU" dirty="0" smtClean="0">
+                <a:solidFill>
+                  <a:schemeClr val="bg1">
+                    <a:lumMod val="95000"/>
+                  </a:schemeClr>
+                </a:solidFill>
+              </a:rPr>
+              <a:t>дефинирани</a:t>
+            </a:r>
+            <a:r>
+              <a:rPr lang="en-US" dirty="0" smtClean="0">
+                <a:solidFill>
+                  <a:schemeClr val="bg1">
+                    <a:lumMod val="95000"/>
+                  </a:schemeClr>
+                </a:solidFill>
+              </a:rPr>
+              <a:t>,</a:t>
+            </a:r>
+            <a:r>
+              <a:rPr lang="ru-RU" dirty="0" smtClean="0">
+                <a:solidFill>
+                  <a:schemeClr val="bg1">
+                    <a:lumMod val="95000"/>
+                  </a:schemeClr>
+                </a:solidFill>
+              </a:rPr>
+              <a:t> </a:t>
+            </a:r>
+            <a:r>
+              <a:rPr lang="ru-RU" dirty="0">
+                <a:solidFill>
+                  <a:schemeClr val="bg1">
+                    <a:lumMod val="95000"/>
+                  </a:schemeClr>
+                </a:solidFill>
+              </a:rPr>
+              <a:t>променливите спират да съществуват</a:t>
+            </a:r>
+          </a:p>
+          <a:p>
+            <a:pPr>
+              <a:buFont typeface="Wingdings" panose="05000000000000000000" pitchFamily="2" charset="2"/>
+              <a:buChar char="§"/>
+            </a:pPr>
+            <a:r>
+              <a:rPr lang="ru-RU" dirty="0">
+                <a:solidFill>
+                  <a:schemeClr val="bg1">
+                    <a:lumMod val="95000"/>
+                  </a:schemeClr>
+                </a:solidFill>
+              </a:rPr>
+              <a:t>Добра практика е променливите да „живеят“ възможно най-малко време</a:t>
+            </a:r>
+          </a:p>
+          <a:p>
+            <a:pPr>
+              <a:buFont typeface="Wingdings" panose="05000000000000000000" pitchFamily="2" charset="2"/>
+              <a:buChar char="§"/>
+            </a:pPr>
+            <a:r>
+              <a:rPr lang="ru-RU" dirty="0">
+                <a:solidFill>
+                  <a:schemeClr val="bg1">
+                    <a:lumMod val="95000"/>
+                  </a:schemeClr>
+                </a:solidFill>
+              </a:rPr>
+              <a:t>Добра практика е променливите да се дефинират точно преди да започнат да се използват</a:t>
+            </a:r>
+          </a:p>
+          <a:p>
+            <a:pPr>
+              <a:buFont typeface="Wingdings" panose="05000000000000000000" pitchFamily="2" charset="2"/>
+              <a:buChar char="§"/>
+            </a:pPr>
+            <a:endParaRPr lang="ru-RU" dirty="0">
+              <a:solidFill>
+                <a:schemeClr val="bg1">
+                  <a:lumMod val="95000"/>
+                </a:schemeClr>
+              </a:solidFill>
+            </a:endParaRPr>
+          </a:p>
         </p:txBody>
       </p:sp>
     </p:spTree>
     <p:extLst>
       <p:ext uri="{BB962C8B-B14F-4D97-AF65-F5344CB8AC3E}">
-        <p14:creationId xmlns:p14="http://schemas.microsoft.com/office/powerpoint/2010/main" val="561114716"/>
+        <p14:creationId xmlns:p14="http://schemas.microsoft.com/office/powerpoint/2010/main" val="121324748"/>
       </p:ext>
     </p:extLst>
   </p:cSld>
@@ -4770,232 +4897,85 @@
           <a:p>
             <a:pPr algn="l"/>
             <a:r>
-              <a:rPr lang="bg-BG" sz="4000" dirty="0" smtClean="0">
+              <a:rPr lang="bg-BG" dirty="0" smtClean="0">
                 <a:solidFill>
                   <a:schemeClr val="accent6"/>
                 </a:solidFill>
               </a:rPr>
-              <a:t>Живот на променливите</a:t>
-            </a:r>
-            <a:endParaRPr lang="bg-BG" sz="4000" dirty="0">
-              <a:solidFill>
-                <a:schemeClr val="accent6"/>
-              </a:solidFill>
-            </a:endParaRPr>
-          </a:p>
-        </p:txBody>
-      </p:sp>
-      <p:sp>
-        <p:nvSpPr>
-          <p:cNvPr id="3" name="Content Placeholder 2"/>
-          <p:cNvSpPr>
-            <a:spLocks noGrp="1"/>
-          </p:cNvSpPr>
-          <p:nvPr>
-            <p:ph idx="1"/>
-          </p:nvPr>
-        </p:nvSpPr>
-        <p:spPr>
+              <a:t>Демо - </a:t>
+            </a:r>
+            <a:r>
+              <a:rPr lang="bg-BG" dirty="0">
+                <a:solidFill>
+                  <a:schemeClr val="accent6"/>
+                </a:solidFill>
+              </a:rPr>
+              <a:t>ж</a:t>
+            </a:r>
+            <a:r>
+              <a:rPr lang="bg-BG" dirty="0" smtClean="0">
+                <a:solidFill>
+                  <a:schemeClr val="accent6"/>
+                </a:solidFill>
+              </a:rPr>
+              <a:t>ивот </a:t>
+            </a:r>
+            <a:r>
+              <a:rPr lang="bg-BG" dirty="0">
+                <a:solidFill>
+                  <a:schemeClr val="accent6"/>
+                </a:solidFill>
+              </a:rPr>
+              <a:t>на променливите</a:t>
+            </a:r>
+          </a:p>
+        </p:txBody>
+      </p:sp>
+      <p:pic>
+        <p:nvPicPr>
+          <p:cNvPr id="4" name="Picture 3" descr="http://www.upliftt.com/wp-content/uploads/2013/06/Lifetime-420x215.jpg"/>
+          <p:cNvPicPr>
+            <a:picLocks noChangeAspect="1" noChangeArrowheads="1"/>
+          </p:cNvPicPr>
+          <p:nvPr/>
+        </p:nvPicPr>
+        <p:blipFill>
+          <a:blip r:embed="rId2">
+            <a:extLst>
+              <a:ext uri="{28A0092B-C50C-407E-A947-70E740481C1C}">
+                <a14:useLocalDpi xmlns:a14="http://schemas.microsoft.com/office/drawing/2010/main" val="0"/>
+              </a:ext>
+            </a:extLst>
+          </a:blip>
+          <a:srcRect/>
+          <a:stretch>
+            <a:fillRect/>
+          </a:stretch>
+        </p:blipFill>
+        <p:spPr bwMode="auto">
           <a:xfrm>
-            <a:off x="762000" y="1676400"/>
-            <a:ext cx="7620000" cy="4525963"/>
+            <a:off x="2667000" y="2438400"/>
+            <a:ext cx="3513909" cy="1798787"/>
           </a:xfrm>
+          <a:prstGeom prst="rect">
+            <a:avLst/>
+          </a:prstGeom>
+          <a:noFill/>
+          <a:extLst>
+            <a:ext uri="{909E8E84-426E-40DD-AFC4-6F175D3DCCD1}">
+              <a14:hiddenFill xmlns:a14="http://schemas.microsoft.com/office/drawing/2010/main">
+                <a:solidFill>
+                  <a:srgbClr val="FFFFFF"/>
+                </a:solidFill>
+              </a14:hiddenFill>
+            </a:ext>
+          </a:extLst>
         </p:spPr>
-        <p:txBody>
-          <a:bodyPr>
-            <a:normAutofit fontScale="92500" lnSpcReduction="10000"/>
-          </a:bodyPr>
-          <a:lstStyle/>
-          <a:p>
-            <a:pPr>
-              <a:buFont typeface="Wingdings" panose="05000000000000000000" pitchFamily="2" charset="2"/>
-              <a:buChar char="§"/>
-            </a:pPr>
-            <a:r>
-              <a:rPr lang="ru-RU" dirty="0">
-                <a:solidFill>
-                  <a:schemeClr val="bg1">
-                    <a:lumMod val="95000"/>
-                  </a:schemeClr>
-                </a:solidFill>
-              </a:rPr>
-              <a:t>Променливите живеят в рамките на къдрави скоби </a:t>
-            </a:r>
-            <a:r>
-              <a:rPr lang="ru-RU" dirty="0" smtClean="0">
-                <a:solidFill>
-                  <a:schemeClr val="bg1">
-                    <a:lumMod val="95000"/>
-                  </a:schemeClr>
-                </a:solidFill>
-              </a:rPr>
-              <a:t>{</a:t>
-            </a:r>
-            <a:r>
-              <a:rPr lang="en-US" dirty="0" smtClean="0">
-                <a:solidFill>
-                  <a:schemeClr val="bg1">
-                    <a:lumMod val="95000"/>
-                  </a:schemeClr>
-                </a:solidFill>
-              </a:rPr>
-              <a:t>}</a:t>
-            </a:r>
-            <a:endParaRPr lang="ru-RU" dirty="0">
-              <a:solidFill>
-                <a:schemeClr val="bg1">
-                  <a:lumMod val="95000"/>
-                </a:schemeClr>
-              </a:solidFill>
-            </a:endParaRPr>
-          </a:p>
-          <a:p>
-            <a:pPr>
-              <a:buFont typeface="Wingdings" panose="05000000000000000000" pitchFamily="2" charset="2"/>
-              <a:buChar char="§"/>
-            </a:pPr>
-            <a:r>
-              <a:rPr lang="ru-RU" dirty="0">
-                <a:solidFill>
-                  <a:schemeClr val="bg1">
-                    <a:lumMod val="95000"/>
-                  </a:schemeClr>
-                </a:solidFill>
-              </a:rPr>
-              <a:t>След като напуснат къдравите </a:t>
-            </a:r>
-            <a:r>
-              <a:rPr lang="ru-RU" dirty="0" smtClean="0">
-                <a:solidFill>
-                  <a:schemeClr val="bg1">
-                    <a:lumMod val="95000"/>
-                  </a:schemeClr>
-                </a:solidFill>
-              </a:rPr>
-              <a:t>скоби</a:t>
-            </a:r>
-            <a:r>
-              <a:rPr lang="en-US" dirty="0" smtClean="0">
-                <a:solidFill>
-                  <a:schemeClr val="bg1">
-                    <a:lumMod val="95000"/>
-                  </a:schemeClr>
-                </a:solidFill>
-              </a:rPr>
-              <a:t>,</a:t>
-            </a:r>
-            <a:r>
-              <a:rPr lang="ru-RU" dirty="0" smtClean="0">
-                <a:solidFill>
-                  <a:schemeClr val="bg1">
-                    <a:lumMod val="95000"/>
-                  </a:schemeClr>
-                </a:solidFill>
-              </a:rPr>
-              <a:t> </a:t>
-            </a:r>
-            <a:r>
-              <a:rPr lang="ru-RU" dirty="0">
-                <a:solidFill>
-                  <a:schemeClr val="bg1">
-                    <a:lumMod val="95000"/>
-                  </a:schemeClr>
-                </a:solidFill>
-              </a:rPr>
-              <a:t>в които са </a:t>
-            </a:r>
-            <a:r>
-              <a:rPr lang="ru-RU" dirty="0" smtClean="0">
-                <a:solidFill>
-                  <a:schemeClr val="bg1">
-                    <a:lumMod val="95000"/>
-                  </a:schemeClr>
-                </a:solidFill>
-              </a:rPr>
-              <a:t>дефинирани</a:t>
-            </a:r>
-            <a:r>
-              <a:rPr lang="en-US" dirty="0" smtClean="0">
-                <a:solidFill>
-                  <a:schemeClr val="bg1">
-                    <a:lumMod val="95000"/>
-                  </a:schemeClr>
-                </a:solidFill>
-              </a:rPr>
-              <a:t>,</a:t>
-            </a:r>
-            <a:r>
-              <a:rPr lang="ru-RU" dirty="0" smtClean="0">
-                <a:solidFill>
-                  <a:schemeClr val="bg1">
-                    <a:lumMod val="95000"/>
-                  </a:schemeClr>
-                </a:solidFill>
-              </a:rPr>
-              <a:t> </a:t>
-            </a:r>
-            <a:r>
-              <a:rPr lang="ru-RU" dirty="0">
-                <a:solidFill>
-                  <a:schemeClr val="bg1">
-                    <a:lumMod val="95000"/>
-                  </a:schemeClr>
-                </a:solidFill>
-              </a:rPr>
-              <a:t>променливите спират да съществуват</a:t>
-            </a:r>
-          </a:p>
-          <a:p>
-            <a:pPr>
-              <a:buFont typeface="Wingdings" panose="05000000000000000000" pitchFamily="2" charset="2"/>
-              <a:buChar char="§"/>
-            </a:pPr>
-            <a:r>
-              <a:rPr lang="ru-RU" dirty="0">
-                <a:solidFill>
-                  <a:schemeClr val="bg1">
-                    <a:lumMod val="95000"/>
-                  </a:schemeClr>
-                </a:solidFill>
-              </a:rPr>
-              <a:t>Добра практика е променливите да „живеят“ възможно най-малко време</a:t>
-            </a:r>
-          </a:p>
-          <a:p>
-            <a:pPr>
-              <a:buFont typeface="Wingdings" panose="05000000000000000000" pitchFamily="2" charset="2"/>
-              <a:buChar char="§"/>
-            </a:pPr>
-            <a:r>
-              <a:rPr lang="ru-RU" dirty="0">
-                <a:solidFill>
-                  <a:schemeClr val="bg1">
-                    <a:lumMod val="95000"/>
-                  </a:schemeClr>
-                </a:solidFill>
-              </a:rPr>
-              <a:t>Добра практика е променливите да се дефинират точно преди да започнат да се използват</a:t>
-            </a:r>
-          </a:p>
-          <a:p>
-            <a:pPr>
-              <a:buFont typeface="Wingdings" panose="05000000000000000000" pitchFamily="2" charset="2"/>
-              <a:buChar char="§"/>
-            </a:pPr>
-            <a:endParaRPr lang="ru-RU" dirty="0">
-              <a:solidFill>
-                <a:schemeClr val="bg1">
-                  <a:lumMod val="95000"/>
-                </a:schemeClr>
-              </a:solidFill>
-            </a:endParaRPr>
-          </a:p>
-        </p:txBody>
-      </p:sp>
+      </p:pic>
     </p:spTree>
     <p:extLst>
       <p:ext uri="{BB962C8B-B14F-4D97-AF65-F5344CB8AC3E}">
-        <p14:creationId xmlns:p14="http://schemas.microsoft.com/office/powerpoint/2010/main" val="121324748"/>
+        <p14:creationId xmlns:p14="http://schemas.microsoft.com/office/powerpoint/2010/main" val="1506089464"/>
       </p:ext>
     </p:extLst>
   </p:cSld>
@@ -5046,57 +5026,111 @@
           </a:xfrm>
         </p:spPr>
         <p:txBody>
+          <a:bodyPr/>
+          <a:lstStyle/>
+          <a:p>
+            <a:pPr algn="l"/>
+            <a:r>
+              <a:rPr lang="bg-BG" dirty="0" smtClean="0">
+                <a:solidFill>
+                  <a:schemeClr val="accent6"/>
+                </a:solidFill>
+              </a:rPr>
+              <a:t>Въпроси</a:t>
+            </a:r>
+            <a:endParaRPr lang="bg-BG" dirty="0">
+              <a:solidFill>
+                <a:schemeClr val="accent6"/>
+              </a:solidFill>
+            </a:endParaRPr>
+          </a:p>
+        </p:txBody>
+      </p:sp>
+      <p:sp>
+        <p:nvSpPr>
+          <p:cNvPr id="3" name="Content Placeholder 2"/>
+          <p:cNvSpPr>
+            <a:spLocks noGrp="1"/>
+          </p:cNvSpPr>
+          <p:nvPr>
+            <p:ph idx="1"/>
+          </p:nvPr>
+        </p:nvSpPr>
+        <p:spPr>
+          <a:xfrm>
+            <a:off x="762000" y="1676400"/>
+            <a:ext cx="7620000" cy="4525963"/>
+          </a:xfrm>
+        </p:spPr>
+        <p:txBody>
           <a:bodyPr>
             <a:normAutofit/>
           </a:bodyPr>
           <a:lstStyle/>
           <a:p>
-            <a:pPr algn="l"/>
-            <a:r>
-              <a:rPr lang="bg-BG" dirty="0" smtClean="0">
-                <a:solidFill>
-                  <a:schemeClr val="accent6"/>
-                </a:solidFill>
-              </a:rPr>
-              <a:t>Демо - </a:t>
-            </a:r>
-            <a:r>
-              <a:rPr lang="bg-BG" dirty="0">
-                <a:solidFill>
-                  <a:schemeClr val="accent6"/>
-                </a:solidFill>
-              </a:rPr>
-              <a:t>ж</a:t>
-            </a:r>
-            <a:r>
-              <a:rPr lang="bg-BG" dirty="0" smtClean="0">
-                <a:solidFill>
-                  <a:schemeClr val="accent6"/>
-                </a:solidFill>
-              </a:rPr>
-              <a:t>ивот </a:t>
-            </a:r>
-            <a:r>
-              <a:rPr lang="bg-BG" dirty="0">
-                <a:solidFill>
-                  <a:schemeClr val="accent6"/>
-                </a:solidFill>
-              </a:rPr>
-              <a:t>на променливите</a:t>
-            </a:r>
+            <a:pPr>
+              <a:buFont typeface="Wingdings" panose="05000000000000000000" pitchFamily="2" charset="2"/>
+              <a:buChar char="§"/>
+            </a:pPr>
+            <a:endParaRPr lang="en-US" dirty="0">
+              <a:solidFill>
+                <a:schemeClr val="bg1">
+                  <a:lumMod val="95000"/>
+                </a:schemeClr>
+              </a:solidFill>
+            </a:endParaRPr>
+          </a:p>
+          <a:p>
+            <a:pPr>
+              <a:buFont typeface="Wingdings" panose="05000000000000000000" pitchFamily="2" charset="2"/>
+              <a:buChar char="§"/>
+            </a:pPr>
+            <a:endParaRPr lang="en-US" dirty="0">
+              <a:solidFill>
+                <a:schemeClr val="bg1">
+                  <a:lumMod val="95000"/>
+                </a:schemeClr>
+              </a:solidFill>
+            </a:endParaRPr>
+          </a:p>
+          <a:p>
+            <a:pPr>
+              <a:buFont typeface="Wingdings" panose="05000000000000000000" pitchFamily="2" charset="2"/>
+              <a:buChar char="§"/>
+            </a:pPr>
+            <a:endParaRPr lang="en-US" dirty="0">
+              <a:solidFill>
+                <a:schemeClr val="bg1">
+                  <a:lumMod val="95000"/>
+                </a:schemeClr>
+              </a:solidFill>
+            </a:endParaRPr>
+          </a:p>
+          <a:p>
+            <a:pPr>
+              <a:buFont typeface="Wingdings" panose="05000000000000000000" pitchFamily="2" charset="2"/>
+              <a:buChar char="§"/>
+            </a:pPr>
+            <a:endParaRPr lang="en-US" dirty="0">
+              <a:solidFill>
+                <a:schemeClr val="bg1">
+                  <a:lumMod val="95000"/>
+                </a:schemeClr>
+              </a:solidFill>
+            </a:endParaRPr>
           </a:p>
         </p:txBody>
       </p:sp>
       <p:pic>
         <p:nvPicPr>
-          <p:cNvPr id="4" name="Picture 3" descr="http://www.upliftt.com/wp-content/uploads/2013/06/Lifetime-420x215.jpg"/>
+          <p:cNvPr id="1027" name="Picture 3" descr="C:\Users\Lazar\Desktop\01-red-question-mark1.jpg"/>
           <p:cNvPicPr>
             <a:picLocks noChangeAspect="1" noChangeArrowheads="1"/>
           </p:cNvPicPr>
           <p:nvPr/>
         </p:nvPicPr>
         <p:blipFill>
-          <a:blip r:embed="rId2">
+          <a:blip r:embed="rId2" cstate="print">
             <a:extLst>
               <a:ext uri="{28A0092B-C50C-407E-A947-70E740481C1C}">
                 <a14:useLocalDpi xmlns:a14="http://schemas.microsoft.com/office/drawing/2010/main" val="0"/>
@@ -5110,8 +5144,8 @@
         </p:blipFill>
         <p:spPr bwMode="auto">
           <a:xfrm>
-            <a:off x="2667000" y="2438400"/>
-            <a:ext cx="3513909" cy="1798787"/>
+            <a:off x="3505200" y="2057400"/>
+            <a:ext cx="2419082" cy="2419082"/>
           </a:xfrm>
           <a:prstGeom prst="rect">
             <a:avLst/>
@@ -5131,7 +5165,7 @@
     </p:spTree>
     <p:extLst>
       <p:ext uri="{BB962C8B-B14F-4D97-AF65-F5344CB8AC3E}">
-        <p14:creationId xmlns:p14="http://schemas.microsoft.com/office/powerpoint/2010/main" val="1506089464"/>
+        <p14:creationId xmlns:p14="http://schemas.microsoft.com/office/powerpoint/2010/main" val="3854716579"/>
       </p:ext>
     </p:extLst>
   </p:cSld>
@@ -5420,18 +5454,13 @@
           <a:p>
             <a:pPr algn="l"/>
             <a:r>
-              <a:rPr lang="bg-BG" dirty="0" smtClean="0">
+              <a:rPr lang="bg-BG" dirty="0">
                 <a:solidFill>
                   <a:schemeClr val="accent6"/>
                 </a:solidFill>
               </a:rPr>
-              <a:t>Въпроси</a:t>
-            </a:r>
-            <a:endParaRPr lang="bg-BG" dirty="0">
-              <a:solidFill>
-                <a:schemeClr val="accent6"/>
-              </a:solidFill>
-            </a:endParaRPr>
+              <a:t>Задачи за домашна работа</a:t>
+            </a:r>
           </a:p>
         </p:txBody>
       </p:sp>
@@ -5448,12 +5477,12 @@
         <p:spPr>
           <a:xfrm>
             <a:off x="762000" y="1676400"/>
-            <a:ext cx="7620000" cy="4525963"/>
+            <a:ext cx="7620000" cy="4876800"/>
           </a:xfrm>
         </p:spPr>
         <p:txBody>
           <a:bodyPr>
-            <a:normAutofit/>
+            <a:noAutofit/>
           </a:bodyPr>
           <a:lstStyle/>
           <a:p>
@@ -5461,7 +5490,153 @@
               <a:buFont typeface="Wingdings" panose="05000000000000000000" pitchFamily="2" charset="2"/>
               <a:buChar char="§"/>
             </a:pPr>
-            <a:endParaRPr lang="en-US" dirty="0">
+            <a:r>
+              <a:rPr lang="ru-RU" sz="2400" dirty="0">
+                <a:solidFill>
+                  <a:schemeClr val="bg1">
+                    <a:lumMod val="95000"/>
+                  </a:schemeClr>
+                </a:solidFill>
+              </a:rPr>
+              <a:t>Създайте метод </a:t>
+            </a:r>
+            <a:r>
+              <a:rPr lang="en-US" sz="2400" dirty="0" smtClean="0">
+                <a:solidFill>
+                  <a:schemeClr val="bg1">
+                    <a:lumMod val="95000"/>
+                  </a:schemeClr>
+                </a:solidFill>
+              </a:rPr>
+              <a:t>M</a:t>
+            </a:r>
+            <a:r>
+              <a:rPr lang="ru-RU" sz="2400" dirty="0" smtClean="0">
+                <a:solidFill>
+                  <a:schemeClr val="bg1">
+                    <a:lumMod val="95000"/>
+                  </a:schemeClr>
+                </a:solidFill>
+              </a:rPr>
+              <a:t>axNumber</a:t>
+            </a:r>
+            <a:r>
+              <a:rPr lang="ru-RU" sz="2400" dirty="0">
+                <a:solidFill>
+                  <a:schemeClr val="bg1">
+                    <a:lumMod val="95000"/>
+                  </a:schemeClr>
+                </a:solidFill>
+              </a:rPr>
+              <a:t>() с два целочислени (int) параметъра, който връща по-голямото от двете числа. Напишете програма, която прочита три цели числа от конзолата и отпечатва най-голямото от тях, използвайки метода </a:t>
+            </a:r>
+            <a:r>
+              <a:rPr lang="en-US" sz="2400" dirty="0" smtClean="0">
+                <a:solidFill>
+                  <a:schemeClr val="bg1">
+                    <a:lumMod val="95000"/>
+                  </a:schemeClr>
+                </a:solidFill>
+              </a:rPr>
+              <a:t>M</a:t>
+            </a:r>
+            <a:r>
+              <a:rPr lang="ru-RU" sz="2400" dirty="0" smtClean="0">
+                <a:solidFill>
+                  <a:schemeClr val="bg1">
+                    <a:lumMod val="95000"/>
+                  </a:schemeClr>
+                </a:solidFill>
+              </a:rPr>
+              <a:t>axNumber</a:t>
+            </a:r>
+            <a:r>
+              <a:rPr lang="ru-RU" sz="2400" dirty="0">
+                <a:solidFill>
+                  <a:schemeClr val="bg1">
+                    <a:lumMod val="95000"/>
+                  </a:schemeClr>
+                </a:solidFill>
+              </a:rPr>
+              <a:t>().</a:t>
+            </a:r>
+          </a:p>
+          <a:p>
+            <a:pPr>
+              <a:buFont typeface="Wingdings" panose="05000000000000000000" pitchFamily="2" charset="2"/>
+              <a:buChar char="§"/>
+            </a:pPr>
+            <a:r>
+              <a:rPr lang="ru-RU" sz="2400" dirty="0">
+                <a:solidFill>
+                  <a:schemeClr val="bg1">
+                    <a:lumMod val="95000"/>
+                  </a:schemeClr>
+                </a:solidFill>
+              </a:rPr>
+              <a:t>Напишете метод, който при подадено име отпечатва в конзолата "</a:t>
+            </a:r>
+            <a:r>
+              <a:rPr lang="ru-RU" sz="2400" dirty="0" smtClean="0">
+                <a:solidFill>
+                  <a:schemeClr val="bg1">
+                    <a:lumMod val="95000"/>
+                  </a:schemeClr>
+                </a:solidFill>
+              </a:rPr>
+              <a:t>Greeting</a:t>
+            </a:r>
+            <a:r>
+              <a:rPr lang="en-US" sz="2400" dirty="0" smtClean="0">
+                <a:solidFill>
+                  <a:schemeClr val="bg1">
+                    <a:lumMod val="95000"/>
+                  </a:schemeClr>
+                </a:solidFill>
+              </a:rPr>
+              <a:t>s</a:t>
+            </a:r>
+            <a:r>
+              <a:rPr lang="ru-RU" sz="2400" dirty="0" smtClean="0">
+                <a:solidFill>
+                  <a:schemeClr val="bg1">
+                    <a:lumMod val="95000"/>
+                  </a:schemeClr>
+                </a:solidFill>
+              </a:rPr>
+              <a:t>, </a:t>
+            </a:r>
+            <a:r>
+              <a:rPr lang="ru-RU" sz="2400" dirty="0">
+                <a:solidFill>
+                  <a:schemeClr val="bg1">
+                    <a:lumMod val="95000"/>
+                  </a:schemeClr>
+                </a:solidFill>
+              </a:rPr>
+              <a:t>&lt;name&gt;!" (Напишете програма, която тества този метод</a:t>
+            </a:r>
+            <a:r>
+              <a:rPr lang="ru-RU" sz="2400" dirty="0" smtClean="0">
+                <a:solidFill>
+                  <a:schemeClr val="bg1">
+                    <a:lumMod val="95000"/>
+                  </a:schemeClr>
+                </a:solidFill>
+              </a:rPr>
+              <a:t>.</a:t>
+            </a:r>
+            <a:r>
+              <a:rPr lang="en-US" sz="2400" dirty="0" smtClean="0">
+                <a:solidFill>
+                  <a:schemeClr val="bg1">
+                    <a:lumMod val="95000"/>
+                  </a:schemeClr>
+                </a:solidFill>
+              </a:rPr>
+              <a:t>)</a:t>
+            </a:r>
+            <a:endParaRPr lang="ru-RU" sz="2400" dirty="0" smtClean="0">
               <a:solidFill>
                 <a:schemeClr val="bg1">
                   <a:lumMod val="95000"/>
@@ -5474,7 +5649,87 @@
               <a:buFont typeface="Wingdings" panose="05000000000000000000" pitchFamily="2" charset="2"/>
               <a:buChar char="§"/>
             </a:pPr>
-            <a:endParaRPr lang="en-US" dirty="0">
+            <a:r>
+              <a:rPr lang="ru-RU" sz="2400" dirty="0" smtClean="0">
+                <a:solidFill>
+                  <a:schemeClr val="bg1">
+                    <a:lumMod val="95000"/>
+                  </a:schemeClr>
+                </a:solidFill>
+              </a:rPr>
+              <a:t>Дефинирайте фунцкия</a:t>
+            </a:r>
+            <a:r>
+              <a:rPr lang="en-US" sz="2400" dirty="0" smtClean="0">
+                <a:solidFill>
+                  <a:schemeClr val="bg1">
+                    <a:lumMod val="95000"/>
+                  </a:schemeClr>
+                </a:solidFill>
+              </a:rPr>
+              <a:t>, </a:t>
+            </a:r>
+            <a:r>
+              <a:rPr lang="ru-RU" sz="2400" dirty="0" smtClean="0">
+                <a:solidFill>
+                  <a:schemeClr val="bg1">
+                    <a:lumMod val="95000"/>
+                  </a:schemeClr>
+                </a:solidFill>
+              </a:rPr>
+              <a:t>която приема 3 параметъра - цели числа и ги умножава едно с друго. Извикайте функцията </a:t>
+            </a:r>
+            <a:r>
+              <a:rPr lang="en-US" sz="2400" dirty="0" smtClean="0">
+                <a:solidFill>
+                  <a:schemeClr val="bg1">
+                    <a:lumMod val="95000"/>
+                  </a:schemeClr>
+                </a:solidFill>
+              </a:rPr>
+              <a:t>1</a:t>
+            </a:r>
+            <a:r>
+              <a:rPr lang="ru-RU" sz="2400" dirty="0" smtClean="0">
+                <a:solidFill>
+                  <a:schemeClr val="bg1">
+                    <a:lumMod val="95000"/>
+                  </a:schemeClr>
+                </a:solidFill>
+              </a:rPr>
+              <a:t>0 </a:t>
+            </a:r>
+            <a:r>
+              <a:rPr lang="ru-RU" sz="2400" dirty="0" err="1" smtClean="0">
+                <a:solidFill>
+                  <a:schemeClr val="bg1">
+                    <a:lumMod val="95000"/>
+                  </a:schemeClr>
+                </a:solidFill>
+              </a:rPr>
+              <a:t>пъти</a:t>
+            </a:r>
+            <a:r>
+              <a:rPr lang="ru-RU" sz="2400" dirty="0" smtClean="0">
+                <a:solidFill>
+                  <a:schemeClr val="bg1">
+                    <a:lumMod val="95000"/>
+                  </a:schemeClr>
+                </a:solidFill>
+              </a:rPr>
+              <a:t> </a:t>
+            </a:r>
+            <a:r>
+              <a:rPr lang="bg-BG" sz="2400" dirty="0" smtClean="0">
+                <a:solidFill>
+                  <a:schemeClr val="bg1">
+                    <a:lumMod val="95000"/>
+                  </a:schemeClr>
+                </a:solidFill>
+              </a:rPr>
+              <a:t>с различни произволни числа.</a:t>
+            </a:r>
+            <a:endParaRPr lang="ru-RU" sz="2400" dirty="0" smtClean="0">
               <a:solidFill>
                 <a:schemeClr val="bg1">
                   <a:lumMod val="95000"/>
@@ -5482,79 +5737,12 @@
               </a:solidFill>
             </a:endParaRPr>
           </a:p>
-          <a:p>
-            <a:pPr>
-              <a:buFont typeface="Wingdings" panose="05000000000000000000" pitchFamily="2" charset="2"/>
-              <a:buChar char="§"/>
-            </a:pPr>
-            <a:endParaRPr lang="en-US" dirty="0">
-              <a:solidFill>
-                <a:schemeClr val="bg1">
-                  <a:lumMod val="95000"/>
-                </a:schemeClr>
-              </a:solidFill>
-            </a:endParaRPr>
-          </a:p>
-          <a:p>
-            <a:pPr>
-              <a:buFont typeface="Wingdings" panose="05000000000000000000" pitchFamily="2" charset="2"/>
-              <a:buChar char="§"/>
-            </a:pPr>
-            <a:endParaRPr lang="en-US" dirty="0">
-              <a:solidFill>
-                <a:schemeClr val="bg1">
-                  <a:lumMod val="95000"/>
-                </a:schemeClr>
-              </a:solidFill>
-            </a:endParaRPr>
-          </a:p>
-        </p:txBody>
-      </p:sp>
-      <p:pic>
-        <p:nvPicPr>
-          <p:cNvPr id="1027" name="Picture 3" descr="C:\Users\Lazar\Desktop\01-red-question-mark1.jpg"/>
-          <p:cNvPicPr>
-            <a:picLocks noChangeAspect="1" noChangeArrowheads="1"/>
-          </p:cNvPicPr>
-          <p:nvPr/>
-        </p:nvPicPr>
-        <p:blipFill>
-          <a:blip r:embed="rId2" cstate="print">
-            <a:extLst>
-              <a:ext uri="{28A0092B-C50C-407E-A947-70E740481C1C}">
-                <a14:useLocalDpi xmlns:a14="http://schemas.microsoft.com/office/drawing/2010/main" val="0"/>
-              </a:ext>
-            </a:extLst>
-          </a:blip>
-          <a:srcRect/>
-          <a:stretch>
-            <a:fillRect/>
-          </a:stretch>
-        </p:blipFill>
-        <p:spPr bwMode="auto">
-          <a:xfrm>
-            <a:off x="3505200" y="2057400"/>
-            <a:ext cx="2419082" cy="2419082"/>
-          </a:xfrm>
-          <a:prstGeom prst="rect">
-            <a:avLst/>
-          </a:prstGeom>
-          <a:noFill/>
-          <a:extLst>
-            <a:ext uri="{909E8E84-426E-40DD-AFC4-6F175D3DCCD1}">
-              <a14:hiddenFill xmlns:a14="http://schemas.microsoft.com/office/drawing/2010/main">
-                <a:solidFill>
-                  <a:srgbClr val="FFFFFF"/>
-                </a:solidFill>
-              </a14:hiddenFill>
-            </a:ext>
-          </a:extLst>
-        </p:spPr>
-      </p:pic>
+        </p:txBody>
+      </p:sp>
     </p:spTree>
     <p:extLst>
       <p:ext uri="{BB962C8B-B14F-4D97-AF65-F5344CB8AC3E}">
-        <p14:creationId xmlns:p14="http://schemas.microsoft.com/office/powerpoint/2010/main" val="3854716579"/>
+        <p14:creationId xmlns:p14="http://schemas.microsoft.com/office/powerpoint/2010/main" val="523573951"/>
       </p:ext>
     </p:extLst>
   </p:cSld>
@@ -5615,8 +5803,21 @@
                   <a:schemeClr val="accent6"/>
                 </a:solidFill>
               </a:rPr>
-              <a:t>Задачи за домашна работа</a:t>
-            </a:r>
+              <a:t>Задачи за домашна </a:t>
+            </a:r>
+            <a:r>
+              <a:rPr lang="bg-BG" dirty="0" smtClean="0">
+                <a:solidFill>
+                  <a:schemeClr val="accent6"/>
+                </a:solidFill>
+              </a:rPr>
+              <a:t>работа</a:t>
+            </a:r>
+            <a:endParaRPr lang="bg-BG" dirty="0">
+              <a:solidFill>
+                <a:schemeClr val="accent6"/>
+              </a:solidFill>
+            </a:endParaRPr>
           </a:p>
         </p:txBody>
       </p:sp>
@@ -5654,7 +5855,17 @@
                   </a:schemeClr>
                 </a:solidFill>
               </a:rPr>
-              <a:t>Създайте метод </a:t>
+              <a:t>Дефинирайте </a:t>
+            </a:r>
+            <a:r>
+              <a:rPr lang="ru-RU" sz="2400" dirty="0" smtClean="0">
+                <a:solidFill>
+                  <a:schemeClr val="bg1">
+                    <a:lumMod val="95000"/>
+                  </a:schemeClr>
+                </a:solidFill>
+              </a:rPr>
+              <a:t>функция</a:t>
             </a:r>
             <a:r>
               <a:rPr lang="en-US" sz="2400" dirty="0" smtClean="0">
@@ -5664,7 +5875,7 @@
                   </a:schemeClr>
                 </a:solidFill>
               </a:rPr>
-              <a:t>M</a:t>
+              <a:t>,</a:t>
             </a:r>
             <a:r>
               <a:rPr lang="ru-RU" sz="2400" dirty="0" smtClean="0">
@@ -5674,7 +5885,7 @@
                   </a:schemeClr>
                 </a:solidFill>
               </a:rPr>
-              <a:t>axNumber</a:t>
+              <a:t> </a:t>
             </a:r>
             <a:r>
               <a:rPr lang="ru-RU" sz="2400" dirty="0">
@@ -5684,17 +5895,17 @@
                   </a:schemeClr>
                 </a:solidFill>
               </a:rPr>
-              <a:t>() с два целочислени (int) параметъра, който връща по-голямото от двете числа. Напишете програма, която прочита три цели числа от конзолата и отпечатва най-голямото от тях, използвайки метода </a:t>
-            </a:r>
-            <a:r>
-              <a:rPr lang="en-US" sz="2400" dirty="0" smtClean="0">
-                <a:solidFill>
-                  <a:schemeClr val="bg1">
-                    <a:lumMod val="95000"/>
-                  </a:schemeClr>
-                </a:solidFill>
-              </a:rPr>
-              <a:t>M</a:t>
+              <a:t>която приема </a:t>
+            </a:r>
+            <a:r>
+              <a:rPr lang="bg-BG" sz="2400" dirty="0" smtClean="0">
+                <a:solidFill>
+                  <a:schemeClr val="bg1">
+                    <a:lumMod val="95000"/>
+                  </a:schemeClr>
+                </a:solidFill>
+              </a:rPr>
+              <a:t>един</a:t>
             </a:r>
             <a:r>
               <a:rPr lang="ru-RU" sz="2400" dirty="0" smtClean="0">
@@ -5704,7 +5915,7 @@
                   </a:schemeClr>
                 </a:solidFill>
               </a:rPr>
-              <a:t>axNumber</a:t>
+              <a:t> </a:t>
             </a:r>
             <a:r>
               <a:rPr lang="ru-RU" sz="2400" dirty="0">
@@ -5714,7 +5925,107 @@
                   </a:schemeClr>
                 </a:solidFill>
               </a:rPr>
-              <a:t>().</a:t>
+              <a:t>параметър </a:t>
+            </a:r>
+            <a:r>
+              <a:rPr lang="ru-RU" sz="2400" dirty="0" smtClean="0">
+                <a:solidFill>
+                  <a:schemeClr val="bg1">
+                    <a:lumMod val="95000"/>
+                  </a:schemeClr>
+                </a:solidFill>
+              </a:rPr>
+              <a:t>– число, </a:t>
+            </a:r>
+            <a:r>
+              <a:rPr lang="ru-RU" sz="2400" dirty="0">
+                <a:solidFill>
+                  <a:schemeClr val="bg1">
+                    <a:lumMod val="95000"/>
+                  </a:schemeClr>
+                </a:solidFill>
+              </a:rPr>
+              <a:t>и принтира на екрана "</a:t>
+            </a:r>
+            <a:r>
+              <a:rPr lang="ru-RU" sz="2400" dirty="0" smtClean="0">
+                <a:solidFill>
+                  <a:schemeClr val="bg1">
+                    <a:lumMod val="95000"/>
+                  </a:schemeClr>
+                </a:solidFill>
+              </a:rPr>
+              <a:t>четно", </a:t>
+            </a:r>
+            <a:r>
+              <a:rPr lang="ru-RU" sz="2400" dirty="0">
+                <a:solidFill>
+                  <a:schemeClr val="bg1">
+                    <a:lumMod val="95000"/>
+                  </a:schemeClr>
+                </a:solidFill>
+              </a:rPr>
+              <a:t>ако числото е </a:t>
+            </a:r>
+            <a:r>
+              <a:rPr lang="ru-RU" sz="2400" dirty="0" smtClean="0">
+                <a:solidFill>
+                  <a:schemeClr val="bg1">
+                    <a:lumMod val="95000"/>
+                  </a:schemeClr>
+                </a:solidFill>
+              </a:rPr>
+              <a:t>четно, </a:t>
+            </a:r>
+            <a:r>
+              <a:rPr lang="ru-RU" sz="2400" dirty="0">
+                <a:solidFill>
+                  <a:schemeClr val="bg1">
+                    <a:lumMod val="95000"/>
+                  </a:schemeClr>
+                </a:solidFill>
+              </a:rPr>
+              <a:t>и "</a:t>
+            </a:r>
+            <a:r>
+              <a:rPr lang="ru-RU" sz="2400" dirty="0" smtClean="0">
+                <a:solidFill>
+                  <a:schemeClr val="bg1">
+                    <a:lumMod val="95000"/>
+                  </a:schemeClr>
+                </a:solidFill>
+              </a:rPr>
+              <a:t>нечетно</a:t>
+            </a:r>
+            <a:r>
+              <a:rPr lang="ru-RU" sz="2400" dirty="0">
+                <a:solidFill>
+                  <a:schemeClr val="bg1">
+                    <a:lumMod val="95000"/>
+                  </a:schemeClr>
+                </a:solidFill>
+              </a:rPr>
+              <a:t> "</a:t>
+            </a:r>
+            <a:r>
+              <a:rPr lang="ru-RU" sz="2400" dirty="0" smtClean="0">
+                <a:solidFill>
+                  <a:schemeClr val="bg1">
+                    <a:lumMod val="95000"/>
+                  </a:schemeClr>
+                </a:solidFill>
+              </a:rPr>
+              <a:t>, </a:t>
+            </a:r>
+            <a:r>
+              <a:rPr lang="ru-RU" sz="2400" dirty="0">
+                <a:solidFill>
+                  <a:schemeClr val="bg1">
+                    <a:lumMod val="95000"/>
+                  </a:schemeClr>
+                </a:solidFill>
+              </a:rPr>
+              <a:t>ако числото е нечетно. Демонстрирайте действието на фукцията с няколко примера</a:t>
             </a:r>
           </a:p>
           <a:p>
@@ -5730,7 +6041,7 @@
                   </a:schemeClr>
                 </a:solidFill>
               </a:rPr>
-              <a:t>Напишете метод, който при подадено име отпечатва в конзолата "</a:t>
+              <a:t>Направете програма с </a:t>
             </a:r>
             <a:r>
               <a:rPr lang="ru-RU" sz="2400" dirty="0" smtClean="0">
@@ -5740,7 +6051,27 @@
                   </a:schemeClr>
                 </a:solidFill>
               </a:rPr>
-              <a:t>Greeting</a:t>
+              <a:t>функция, </a:t>
+            </a:r>
+            <a:r>
+              <a:rPr lang="ru-RU" sz="2400" dirty="0">
+                <a:solidFill>
+                  <a:schemeClr val="bg1">
+                    <a:lumMod val="95000"/>
+                  </a:schemeClr>
+                </a:solidFill>
+              </a:rPr>
+              <a:t>която принтира всички симетрични числа в интервала </a:t>
+            </a:r>
+            <a:r>
+              <a:rPr lang="ru-RU" sz="2400" dirty="0" smtClean="0">
+                <a:solidFill>
+                  <a:schemeClr val="bg1">
+                    <a:lumMod val="95000"/>
+                  </a:schemeClr>
+                </a:solidFill>
+              </a:rPr>
+              <a:t>[</a:t>
             </a:r>
             <a:r>
               <a:rPr lang="en-US" sz="2400" dirty="0" smtClean="0">
@@ -5750,7 +6081,7 @@
                   </a:schemeClr>
                 </a:solidFill>
               </a:rPr>
-              <a:t>s</a:t>
+              <a:t>10</a:t>
             </a:r>
             <a:r>
               <a:rPr lang="ru-RU" sz="2400" dirty="0" smtClean="0">
@@ -5760,45 +6091,95 @@
                   </a:schemeClr>
                 </a:solidFill>
               </a:rPr>
+              <a:t> </a:t>
+            </a:r>
+            <a:r>
+              <a:rPr lang="ru-RU" sz="2400" dirty="0">
+                <a:solidFill>
+                  <a:schemeClr val="bg1">
+                    <a:lumMod val="95000"/>
+                  </a:schemeClr>
+                </a:solidFill>
+              </a:rPr>
+              <a:t>; 999]</a:t>
+            </a:r>
+          </a:p>
+          <a:p>
+            <a:pPr marL="400050" lvl="1" indent="0">
+              <a:buNone/>
+            </a:pPr>
+            <a:r>
+              <a:rPr lang="ru-RU" sz="2000" dirty="0" smtClean="0">
+                <a:solidFill>
+                  <a:schemeClr val="accent6"/>
+                </a:solidFill>
+              </a:rPr>
+              <a:t>Симетрично </a:t>
+            </a:r>
+            <a:r>
+              <a:rPr lang="ru-RU" sz="2000" dirty="0">
+                <a:solidFill>
+                  <a:schemeClr val="accent6"/>
+                </a:solidFill>
+              </a:rPr>
+              <a:t>число е </a:t>
+            </a:r>
+            <a:r>
+              <a:rPr lang="ru-RU" sz="2000" dirty="0" smtClean="0">
+                <a:solidFill>
+                  <a:schemeClr val="accent6"/>
+                </a:solidFill>
+              </a:rPr>
+              <a:t>число, </a:t>
+            </a:r>
+            <a:r>
+              <a:rPr lang="ru-RU" sz="2000" dirty="0">
+                <a:solidFill>
+                  <a:schemeClr val="accent6"/>
+                </a:solidFill>
+              </a:rPr>
+              <a:t>на което цифрите са симетрични спрямо средата Например: </a:t>
+            </a:r>
+            <a:r>
+              <a:rPr lang="en-US" sz="2000" dirty="0" smtClean="0">
+                <a:solidFill>
+                  <a:schemeClr val="accent6"/>
+                </a:solidFill>
+              </a:rPr>
+              <a:t>11, 22, </a:t>
+            </a:r>
+            <a:r>
+              <a:rPr lang="ru-RU" sz="2000" dirty="0" smtClean="0">
+                <a:solidFill>
+                  <a:schemeClr val="accent6"/>
+                </a:solidFill>
+              </a:rPr>
+              <a:t>101</a:t>
+            </a:r>
+            <a:r>
+              <a:rPr lang="ru-RU" sz="2000" dirty="0">
+                <a:solidFill>
+                  <a:schemeClr val="accent6"/>
+                </a:solidFill>
+              </a:rPr>
               <a:t>, </a:t>
             </a:r>
             <a:r>
-              <a:rPr lang="ru-RU" sz="2400" dirty="0">
-                <a:solidFill>
-                  <a:schemeClr val="bg1">
-                    <a:lumMod val="95000"/>
-                  </a:schemeClr>
-                </a:solidFill>
-              </a:rPr>
-              <a:t>&lt;name&gt;!" (Напишете програма, която тества този метод</a:t>
-            </a:r>
-            <a:r>
-              <a:rPr lang="ru-RU" sz="2400" dirty="0" smtClean="0">
-                <a:solidFill>
-                  <a:schemeClr val="bg1">
-                    <a:lumMod val="95000"/>
-                  </a:schemeClr>
-                </a:solidFill>
-              </a:rPr>
-              <a:t>.</a:t>
-            </a:r>
-            <a:r>
-              <a:rPr lang="en-US" sz="2400" dirty="0" smtClean="0">
-                <a:solidFill>
-                  <a:schemeClr val="bg1">
-                    <a:lumMod val="95000"/>
-                  </a:schemeClr>
-                </a:solidFill>
-              </a:rPr>
-              <a:t>)</a:t>
-            </a:r>
-            <a:endParaRPr lang="ru-RU" sz="2400" dirty="0" smtClean="0">
-              <a:solidFill>
-                <a:schemeClr val="bg1">
-                  <a:lumMod val="95000"/>
-                </a:schemeClr>
-              </a:solidFill>
-            </a:endParaRPr>
+              <a:rPr lang="ru-RU" sz="2000" dirty="0" smtClean="0">
+                <a:solidFill>
+                  <a:schemeClr val="accent6"/>
+                </a:solidFill>
+              </a:rPr>
+              <a:t>303</a:t>
+            </a:r>
+            <a:r>
+              <a:rPr lang="ru-RU" sz="2000" dirty="0" smtClean="0">
+                <a:solidFill>
+                  <a:schemeClr val="accent6"/>
+                </a:solidFill>
+              </a:rPr>
+              <a:t>,</a:t>
+            </a:r>
           </a:p>
           <a:p>
             <a:pPr>
@@ -5806,76 +6187,6 @@
               <a:buChar char="§"/>
             </a:pPr>
             <a:r>
-              <a:rPr lang="ru-RU" sz="2400" dirty="0" smtClean="0">
-                <a:solidFill>
-                  <a:schemeClr val="bg1">
-                    <a:lumMod val="95000"/>
-                  </a:schemeClr>
-                </a:solidFill>
-              </a:rPr>
-              <a:t>Дефинирайте фунцкия</a:t>
-            </a:r>
-            <a:r>
-              <a:rPr lang="en-US" sz="2400" dirty="0" smtClean="0">
-                <a:solidFill>
-                  <a:schemeClr val="bg1">
-                    <a:lumMod val="95000"/>
-                  </a:schemeClr>
-                </a:solidFill>
-              </a:rPr>
-              <a:t>, </a:t>
-            </a:r>
-            <a:r>
-              <a:rPr lang="ru-RU" sz="2400" dirty="0" smtClean="0">
-                <a:solidFill>
-                  <a:schemeClr val="bg1">
-                    <a:lumMod val="95000"/>
-                  </a:schemeClr>
-                </a:solidFill>
-              </a:rPr>
-              <a:t>която приема 3 параметъра - цели числа и ги умножава едно с друго. Извикайте функцията </a:t>
-            </a:r>
-            <a:r>
-              <a:rPr lang="en-US" sz="2400" dirty="0" smtClean="0">
-                <a:solidFill>
-                  <a:schemeClr val="bg1">
-                    <a:lumMod val="95000"/>
-                  </a:schemeClr>
-                </a:solidFill>
-              </a:rPr>
-              <a:t>1</a:t>
-            </a:r>
-            <a:r>
-              <a:rPr lang="ru-RU" sz="2400" dirty="0" smtClean="0">
-                <a:solidFill>
-                  <a:schemeClr val="bg1">
-                    <a:lumMod val="95000"/>
-                  </a:schemeClr>
-                </a:solidFill>
-              </a:rPr>
-              <a:t>0 </a:t>
-            </a:r>
-            <a:r>
-              <a:rPr lang="ru-RU" sz="2400" dirty="0" err="1" smtClean="0">
-                <a:solidFill>
-                  <a:schemeClr val="bg1">
-                    <a:lumMod val="95000"/>
-                  </a:schemeClr>
-                </a:solidFill>
-              </a:rPr>
-              <a:t>пъти</a:t>
-            </a:r>
-            <a:r>
-              <a:rPr lang="ru-RU" sz="2400" dirty="0" smtClean="0">
-                <a:solidFill>
-                  <a:schemeClr val="bg1">
-                    <a:lumMod val="95000"/>
-                  </a:schemeClr>
-                </a:solidFill>
-              </a:rPr>
-              <a:t> </a:t>
-            </a:r>
-            <a:r>
               <a:rPr lang="bg-BG" sz="2400" dirty="0" smtClean="0">
                 <a:solidFill>
                   <a:schemeClr val="bg1">
@@ -5883,457 +6194,34 @@
                   </a:schemeClr>
                 </a:solidFill>
               </a:rPr>
-              <a:t>с различни произволни числа.</a:t>
-            </a:r>
+              <a:t>Дефинирайте </a:t>
+            </a:r>
+            <a:r>
+              <a:rPr lang="bg-BG" sz="2400" dirty="0">
+                <a:solidFill>
+                  <a:schemeClr val="bg1">
+                    <a:lumMod val="95000"/>
+                  </a:schemeClr>
+                </a:solidFill>
+              </a:rPr>
+              <a:t>метод, който приема като параметър масив от числа и го изписва на екрана в обратен ред. </a:t>
+            </a:r>
+          </a:p>
+          <a:p>
+            <a:pPr marL="400050" lvl="1" indent="0">
+              <a:buNone/>
+            </a:pPr>
             <a:endParaRPr lang="ru-RU" sz="2400" dirty="0" smtClean="0">
-              <a:solidFill>
-                <a:schemeClr val="bg1">
-                  <a:lumMod val="95000"/>
-                </a:schemeClr>
-              </a:solidFill>
-            </a:endParaRPr>
-          </a:p>
-        </p:txBody>
-      </p:sp>
-    </p:spTree>
-    <p:extLst>
-      <p:ext uri="{BB962C8B-B14F-4D97-AF65-F5344CB8AC3E}">
-        <p14:creationId xmlns:p14="http://schemas.microsoft.com/office/powerpoint/2010/main" val="523573951"/>
-      </p:ext>
-    </p:extLst>
-  </p:cSld>
-  <p:clrMapOvr>
-    <a:masterClrMapping/>
-  </p:clrMapOvr>
-  <p:timing>
-    <p:tnLst>
-      <p:par>
-        <p:cTn id="1" dur="indefinite" restart="never" nodeType="tmRoot"/>
-      </p:par>
-    </p:tnLst>
-  </p:timing>
-</p:sld>
-</file>
-
-<file path=ppt/slides/slide22.xml><?xml version="1.0" encoding="utf-8"?>
-<p:sld xmlns:a="http://schemas.openxmlformats.org/drawingml/2006/main" xmlns:r="http://schemas.openxmlformats.org/officeDocument/2006/relationships" xmlns:p="http://schemas.openxmlformats.org/presentationml/2006/main">
-  <p:cSld>
-    <p:spTree>
-      <p:nvGrpSpPr>
-        <p:cNvPr id="1" name=""/>
-        <p:cNvGrpSpPr/>
-        <p:nvPr/>
-      </p:nvGrpSpPr>
-      <p:grpSpPr>
-        <a:xfrm>
-          <a:off x="0" y="0"/>
-          <a:ext cx="0" cy="0"/>
-          <a:chOff x="0" y="0"/>
-          <a:chExt cx="0" cy="0"/>
-        </a:xfrm>
-      </p:grpSpPr>
-      <p:sp>
-        <p:nvSpPr>
-          <p:cNvPr id="2" name="Title 1"/>
-          <p:cNvSpPr>
-            <a:spLocks noGrp="1"/>
-          </p:cNvSpPr>
-          <p:nvPr>
-            <p:ph type="title"/>
-          </p:nvPr>
-        </p:nvSpPr>
-        <p:spPr>
-          <a:xfrm>
-            <a:off x="838200" y="685800"/>
-            <a:ext cx="8229600" cy="1143000"/>
-          </a:xfrm>
-        </p:spPr>
-        <p:txBody>
-          <a:bodyPr/>
-          <a:lstStyle/>
-          <a:p>
-            <a:pPr algn="l"/>
-            <a:r>
-              <a:rPr lang="bg-BG" dirty="0">
-                <a:solidFill>
-                  <a:schemeClr val="accent6"/>
-                </a:solidFill>
-              </a:rPr>
-              <a:t>Задачи за домашна </a:t>
-            </a:r>
-            <a:r>
-              <a:rPr lang="bg-BG" dirty="0" smtClean="0">
-                <a:solidFill>
-                  <a:schemeClr val="accent6"/>
-                </a:solidFill>
-              </a:rPr>
-              <a:t>работа</a:t>
-            </a:r>
-            <a:endParaRPr lang="bg-BG" dirty="0">
               <a:solidFill>
                 <a:schemeClr val="accent6"/>
               </a:solidFill>
             </a:endParaRPr>
           </a:p>
-        </p:txBody>
-      </p:sp>
-      <p:sp>
-        <p:nvSpPr>
-          <p:cNvPr id="3" name="Content Placeholder 2"/>
-          <p:cNvSpPr>
-            <a:spLocks noGrp="1"/>
-          </p:cNvSpPr>
-          <p:nvPr>
-            <p:ph idx="1"/>
-          </p:nvPr>
-        </p:nvSpPr>
-        <p:spPr>
-          <a:xfrm>
-            <a:off x="762000" y="1676400"/>
-            <a:ext cx="7620000" cy="4876800"/>
-          </a:xfrm>
-        </p:spPr>
-        <p:txBody>
-          <a:bodyPr>
-            <a:noAutofit/>
-          </a:bodyPr>
-          <a:lstStyle/>
-          <a:p>
-            <a:pPr>
-              <a:buFont typeface="Wingdings" panose="05000000000000000000" pitchFamily="2" charset="2"/>
-              <a:buChar char="§"/>
-            </a:pPr>
-            <a:r>
-              <a:rPr lang="ru-RU" sz="2400" dirty="0">
-                <a:solidFill>
-                  <a:schemeClr val="bg1">
-                    <a:lumMod val="95000"/>
-                  </a:schemeClr>
-                </a:solidFill>
-              </a:rPr>
-              <a:t>Дефинирайте </a:t>
-            </a:r>
-            <a:r>
-              <a:rPr lang="ru-RU" sz="2400" dirty="0" smtClean="0">
-                <a:solidFill>
-                  <a:schemeClr val="bg1">
-                    <a:lumMod val="95000"/>
-                  </a:schemeClr>
-                </a:solidFill>
-              </a:rPr>
-              <a:t>функция</a:t>
-            </a:r>
-            <a:r>
-              <a:rPr lang="en-US" sz="2400" dirty="0" smtClean="0">
-                <a:solidFill>
-                  <a:schemeClr val="bg1">
-                    <a:lumMod val="95000"/>
-                  </a:schemeClr>
-                </a:solidFill>
-              </a:rPr>
-              <a:t>,</a:t>
-            </a:r>
-            <a:r>
-              <a:rPr lang="ru-RU" sz="2400" dirty="0" smtClean="0">
-                <a:solidFill>
-                  <a:schemeClr val="bg1">
-                    <a:lumMod val="95000"/>
-                  </a:schemeClr>
-                </a:solidFill>
-              </a:rPr>
-              <a:t> </a:t>
-            </a:r>
-            <a:r>
-              <a:rPr lang="ru-RU" sz="2400" dirty="0">
-                <a:solidFill>
-                  <a:schemeClr val="bg1">
-                    <a:lumMod val="95000"/>
-                  </a:schemeClr>
-                </a:solidFill>
-              </a:rPr>
-              <a:t>която приема </a:t>
-            </a:r>
-            <a:r>
-              <a:rPr lang="bg-BG" sz="2400" dirty="0" smtClean="0">
-                <a:solidFill>
-                  <a:schemeClr val="bg1">
-                    <a:lumMod val="95000"/>
-                  </a:schemeClr>
-                </a:solidFill>
-              </a:rPr>
-              <a:t>един</a:t>
-            </a:r>
-            <a:r>
-              <a:rPr lang="ru-RU" sz="2400" dirty="0" smtClean="0">
-                <a:solidFill>
-                  <a:schemeClr val="bg1">
-                    <a:lumMod val="95000"/>
-                  </a:schemeClr>
-                </a:solidFill>
-              </a:rPr>
-              <a:t> </a:t>
-            </a:r>
-            <a:r>
-              <a:rPr lang="ru-RU" sz="2400" dirty="0">
-                <a:solidFill>
-                  <a:schemeClr val="bg1">
-                    <a:lumMod val="95000"/>
-                  </a:schemeClr>
-                </a:solidFill>
-              </a:rPr>
-              <a:t>параметър </a:t>
-            </a:r>
-            <a:r>
-              <a:rPr lang="ru-RU" sz="2400" dirty="0" smtClean="0">
-                <a:solidFill>
-                  <a:schemeClr val="bg1">
-                    <a:lumMod val="95000"/>
-                  </a:schemeClr>
-                </a:solidFill>
-              </a:rPr>
-              <a:t>– число, </a:t>
-            </a:r>
-            <a:r>
-              <a:rPr lang="ru-RU" sz="2400" dirty="0">
-                <a:solidFill>
-                  <a:schemeClr val="bg1">
-                    <a:lumMod val="95000"/>
-                  </a:schemeClr>
-                </a:solidFill>
-              </a:rPr>
-              <a:t>и принтира на екрана "</a:t>
-            </a:r>
-            <a:r>
-              <a:rPr lang="ru-RU" sz="2400" dirty="0" smtClean="0">
-                <a:solidFill>
-                  <a:schemeClr val="bg1">
-                    <a:lumMod val="95000"/>
-                  </a:schemeClr>
-                </a:solidFill>
-              </a:rPr>
-              <a:t>четно", </a:t>
-            </a:r>
-            <a:r>
-              <a:rPr lang="ru-RU" sz="2400" dirty="0">
-                <a:solidFill>
-                  <a:schemeClr val="bg1">
-                    <a:lumMod val="95000"/>
-                  </a:schemeClr>
-                </a:solidFill>
-              </a:rPr>
-              <a:t>ако числото е </a:t>
-            </a:r>
-            <a:r>
-              <a:rPr lang="ru-RU" sz="2400" dirty="0" smtClean="0">
-                <a:solidFill>
-                  <a:schemeClr val="bg1">
-                    <a:lumMod val="95000"/>
-                  </a:schemeClr>
-                </a:solidFill>
-              </a:rPr>
-              <a:t>четно, </a:t>
-            </a:r>
-            <a:r>
-              <a:rPr lang="ru-RU" sz="2400" dirty="0">
-                <a:solidFill>
-                  <a:schemeClr val="bg1">
-                    <a:lumMod val="95000"/>
-                  </a:schemeClr>
-                </a:solidFill>
-              </a:rPr>
-              <a:t>и "</a:t>
-            </a:r>
-            <a:r>
-              <a:rPr lang="ru-RU" sz="2400" dirty="0" smtClean="0">
-                <a:solidFill>
-                  <a:schemeClr val="bg1">
-                    <a:lumMod val="95000"/>
-                  </a:schemeClr>
-                </a:solidFill>
-              </a:rPr>
-              <a:t>нечетно</a:t>
-            </a:r>
-            <a:r>
-              <a:rPr lang="ru-RU" sz="2400" dirty="0">
-                <a:solidFill>
-                  <a:schemeClr val="bg1">
-                    <a:lumMod val="95000"/>
-                  </a:schemeClr>
-                </a:solidFill>
-              </a:rPr>
-              <a:t> "</a:t>
-            </a:r>
-            <a:r>
-              <a:rPr lang="ru-RU" sz="2400" dirty="0" smtClean="0">
-                <a:solidFill>
-                  <a:schemeClr val="bg1">
-                    <a:lumMod val="95000"/>
-                  </a:schemeClr>
-                </a:solidFill>
-              </a:rPr>
-              <a:t>, </a:t>
-            </a:r>
-            <a:r>
-              <a:rPr lang="ru-RU" sz="2400" dirty="0">
-                <a:solidFill>
-                  <a:schemeClr val="bg1">
-                    <a:lumMod val="95000"/>
-                  </a:schemeClr>
-                </a:solidFill>
-              </a:rPr>
-              <a:t>ако числото е нечетно. Демонстрирайте действието на фукцията с няколко примера</a:t>
-            </a:r>
-          </a:p>
-          <a:p>
-            <a:pPr>
-              <a:buFont typeface="Wingdings" panose="05000000000000000000" pitchFamily="2" charset="2"/>
-              <a:buChar char="§"/>
-            </a:pPr>
-            <a:r>
-              <a:rPr lang="ru-RU" sz="2400" dirty="0">
-                <a:solidFill>
-                  <a:schemeClr val="bg1">
-                    <a:lumMod val="95000"/>
-                  </a:schemeClr>
-                </a:solidFill>
-              </a:rPr>
-              <a:t>Направете програма с </a:t>
-            </a:r>
-            <a:r>
-              <a:rPr lang="ru-RU" sz="2400" dirty="0" smtClean="0">
-                <a:solidFill>
-                  <a:schemeClr val="bg1">
-                    <a:lumMod val="95000"/>
-                  </a:schemeClr>
-                </a:solidFill>
-              </a:rPr>
-              <a:t>функция, </a:t>
-            </a:r>
-            <a:r>
-              <a:rPr lang="ru-RU" sz="2400" dirty="0">
-                <a:solidFill>
-                  <a:schemeClr val="bg1">
-                    <a:lumMod val="95000"/>
-                  </a:schemeClr>
-                </a:solidFill>
-              </a:rPr>
-              <a:t>която принтира всички симетрични числа в интервала </a:t>
-            </a:r>
-            <a:r>
-              <a:rPr lang="ru-RU" sz="2400" dirty="0" smtClean="0">
-                <a:solidFill>
-                  <a:schemeClr val="bg1">
-                    <a:lumMod val="95000"/>
-                  </a:schemeClr>
-                </a:solidFill>
-              </a:rPr>
-              <a:t>[</a:t>
-            </a:r>
-            <a:r>
-              <a:rPr lang="en-US" sz="2400" dirty="0" smtClean="0">
-                <a:solidFill>
-                  <a:schemeClr val="bg1">
-                    <a:lumMod val="95000"/>
-                  </a:schemeClr>
-                </a:solidFill>
-              </a:rPr>
-              <a:t>10</a:t>
-            </a:r>
-            <a:r>
-              <a:rPr lang="ru-RU" sz="2400" dirty="0" smtClean="0">
-                <a:solidFill>
-                  <a:schemeClr val="bg1">
-                    <a:lumMod val="95000"/>
-                  </a:schemeClr>
-                </a:solidFill>
-              </a:rPr>
-              <a:t> </a:t>
-            </a:r>
-            <a:r>
-              <a:rPr lang="ru-RU" sz="2400" dirty="0">
-                <a:solidFill>
-                  <a:schemeClr val="bg1">
-                    <a:lumMod val="95000"/>
-                  </a:schemeClr>
-                </a:solidFill>
-              </a:rPr>
-              <a:t>; 999]</a:t>
-            </a:r>
-          </a:p>
           <a:p>
             <a:pPr marL="400050" lvl="1" indent="0">
               <a:buNone/>
             </a:pPr>
-            <a:r>
-              <a:rPr lang="ru-RU" sz="2000" dirty="0" smtClean="0">
-                <a:solidFill>
-                  <a:schemeClr val="accent6"/>
-                </a:solidFill>
-              </a:rPr>
-              <a:t>Симетрично </a:t>
-            </a:r>
-            <a:r>
-              <a:rPr lang="ru-RU" sz="2000" dirty="0">
-                <a:solidFill>
-                  <a:schemeClr val="accent6"/>
-                </a:solidFill>
-              </a:rPr>
-              <a:t>число е </a:t>
-            </a:r>
-            <a:r>
-              <a:rPr lang="ru-RU" sz="2000" dirty="0" smtClean="0">
-                <a:solidFill>
-                  <a:schemeClr val="accent6"/>
-                </a:solidFill>
-              </a:rPr>
-              <a:t>число, </a:t>
-            </a:r>
-            <a:r>
-              <a:rPr lang="ru-RU" sz="2000" dirty="0">
-                <a:solidFill>
-                  <a:schemeClr val="accent6"/>
-                </a:solidFill>
-              </a:rPr>
-              <a:t>на което цифрите са симетрични спрямо средата Например: </a:t>
-            </a:r>
-            <a:r>
-              <a:rPr lang="en-US" sz="2000" dirty="0" smtClean="0">
-                <a:solidFill>
-                  <a:schemeClr val="accent6"/>
-                </a:solidFill>
-              </a:rPr>
-              <a:t>11, 22, </a:t>
-            </a:r>
-            <a:r>
-              <a:rPr lang="ru-RU" sz="2000" dirty="0" smtClean="0">
-                <a:solidFill>
-                  <a:schemeClr val="accent6"/>
-                </a:solidFill>
-              </a:rPr>
-              <a:t>101</a:t>
-            </a:r>
-            <a:r>
-              <a:rPr lang="ru-RU" sz="2000" dirty="0">
-                <a:solidFill>
-                  <a:schemeClr val="accent6"/>
-                </a:solidFill>
-              </a:rPr>
-              <a:t>, </a:t>
-            </a:r>
-            <a:r>
-              <a:rPr lang="ru-RU" sz="2000" dirty="0" smtClean="0">
-                <a:solidFill>
-                  <a:schemeClr val="accent6"/>
-                </a:solidFill>
-              </a:rPr>
-              <a:t>303,</a:t>
-            </a:r>
-          </a:p>
-          <a:p>
-            <a:pPr marL="400050" lvl="1" indent="0">
-              <a:buNone/>
-            </a:pPr>
-            <a:endParaRPr lang="ru-RU" sz="2000" dirty="0">
+            <a:endParaRPr lang="ru-RU" sz="2400" dirty="0">
               <a:solidFill>
                 <a:schemeClr val="bg1">
                   <a:lumMod val="95000"/>

--- a/08-Methods.pptx
+++ b/08-Methods.pptx
@@ -4214,7 +4214,67 @@
                   </a:schemeClr>
                 </a:solidFill>
               </a:rPr>
-              <a:t>Дефинирайте метод, който получава 2 числа като параметър и връща тяхната сума като резултат.</a:t>
+              <a:t>Дефинирайте метод, който получава </a:t>
+            </a:r>
+            <a:r>
+              <a:rPr lang="en-US" sz="2800" dirty="0" smtClean="0">
+                <a:solidFill>
+                  <a:schemeClr val="bg1">
+                    <a:lumMod val="95000"/>
+                  </a:schemeClr>
+                </a:solidFill>
+              </a:rPr>
+              <a:t>3</a:t>
+            </a:r>
+            <a:r>
+              <a:rPr lang="bg-BG" sz="2800" dirty="0" smtClean="0">
+                <a:solidFill>
+                  <a:schemeClr val="bg1">
+                    <a:lumMod val="95000"/>
+                  </a:schemeClr>
+                </a:solidFill>
+              </a:rPr>
+              <a:t> </a:t>
+            </a:r>
+            <a:r>
+              <a:rPr lang="bg-BG" sz="2800" dirty="0" smtClean="0">
+                <a:solidFill>
+                  <a:schemeClr val="bg1">
+                    <a:lumMod val="95000"/>
+                  </a:schemeClr>
+                </a:solidFill>
+              </a:rPr>
+              <a:t>числа като параметър и връща </a:t>
+            </a:r>
+            <a:r>
+              <a:rPr lang="bg-BG" sz="2800" dirty="0" smtClean="0">
+                <a:solidFill>
+                  <a:schemeClr val="bg1">
+                    <a:lumMod val="95000"/>
+                  </a:schemeClr>
+                </a:solidFill>
+              </a:rPr>
+              <a:t>тяхната</a:t>
+            </a:r>
+            <a:r>
+              <a:rPr lang="en-US" sz="2800" dirty="0" smtClean="0">
+                <a:solidFill>
+                  <a:schemeClr val="bg1">
+                    <a:lumMod val="95000"/>
+                  </a:schemeClr>
+                </a:solidFill>
+              </a:rPr>
+              <a:t> </a:t>
+            </a:r>
+            <a:r>
+              <a:rPr lang="bg-BG" sz="2800" smtClean="0">
+                <a:solidFill>
+                  <a:schemeClr val="bg1">
+                    <a:lumMod val="95000"/>
+                  </a:schemeClr>
+                </a:solidFill>
+              </a:rPr>
+              <a:t>разлика (от 1вото, вади другите 2).</a:t>
             </a:r>
             <a:endParaRPr lang="ru-RU" sz="2800" dirty="0">
               <a:solidFill>
